--- a/Labs/Final/Final-Project.pptx
+++ b/Labs/Final/Final-Project.pptx
@@ -340,7 +340,7 @@
           <a:p>
             <a:fld id="{2F1234D3-356E-4AA1-875F-E36D1B269EC2}" type="datetimeFigureOut">
               <a:rPr lang="zh-TW" altLang="en-US" smtClean="0"/>
-              <a:t>2016/12/27</a:t>
+              <a:t>2016/12/28</a:t>
             </a:fld>
             <a:endParaRPr lang="zh-TW" altLang="en-US"/>
           </a:p>
@@ -672,7 +672,7 @@
           <a:p>
             <a:fld id="{2F1234D3-356E-4AA1-875F-E36D1B269EC2}" type="datetimeFigureOut">
               <a:rPr lang="zh-TW" altLang="en-US" smtClean="0"/>
-              <a:t>2016/12/27</a:t>
+              <a:t>2016/12/28</a:t>
             </a:fld>
             <a:endParaRPr lang="zh-TW" altLang="en-US"/>
           </a:p>
@@ -920,7 +920,7 @@
           <a:p>
             <a:fld id="{2F1234D3-356E-4AA1-875F-E36D1B269EC2}" type="datetimeFigureOut">
               <a:rPr lang="zh-TW" altLang="en-US" smtClean="0"/>
-              <a:t>2016/12/27</a:t>
+              <a:t>2016/12/28</a:t>
             </a:fld>
             <a:endParaRPr lang="zh-TW" altLang="en-US"/>
           </a:p>
@@ -1266,7 +1266,7 @@
           <a:p>
             <a:fld id="{2F1234D3-356E-4AA1-875F-E36D1B269EC2}" type="datetimeFigureOut">
               <a:rPr lang="zh-TW" altLang="en-US" smtClean="0"/>
-              <a:t>2016/12/27</a:t>
+              <a:t>2016/12/28</a:t>
             </a:fld>
             <a:endParaRPr lang="zh-TW" altLang="en-US"/>
           </a:p>
@@ -1620,7 +1620,7 @@
           <a:p>
             <a:fld id="{2F1234D3-356E-4AA1-875F-E36D1B269EC2}" type="datetimeFigureOut">
               <a:rPr lang="zh-TW" altLang="en-US" smtClean="0"/>
-              <a:t>2016/12/27</a:t>
+              <a:t>2016/12/28</a:t>
             </a:fld>
             <a:endParaRPr lang="zh-TW" altLang="en-US"/>
           </a:p>
@@ -1994,7 +1994,7 @@
           <a:p>
             <a:fld id="{2F1234D3-356E-4AA1-875F-E36D1B269EC2}" type="datetimeFigureOut">
               <a:rPr lang="zh-TW" altLang="en-US" smtClean="0"/>
-              <a:t>2016/12/27</a:t>
+              <a:t>2016/12/28</a:t>
             </a:fld>
             <a:endParaRPr lang="zh-TW" altLang="en-US"/>
           </a:p>
@@ -2471,7 +2471,7 @@
           <a:p>
             <a:fld id="{2F1234D3-356E-4AA1-875F-E36D1B269EC2}" type="datetimeFigureOut">
               <a:rPr lang="zh-TW" altLang="en-US" smtClean="0"/>
-              <a:t>2016/12/27</a:t>
+              <a:t>2016/12/28</a:t>
             </a:fld>
             <a:endParaRPr lang="zh-TW" altLang="en-US"/>
           </a:p>
@@ -2683,7 +2683,7 @@
           <a:p>
             <a:fld id="{2F1234D3-356E-4AA1-875F-E36D1B269EC2}" type="datetimeFigureOut">
               <a:rPr lang="zh-TW" altLang="en-US" smtClean="0"/>
-              <a:t>2016/12/27</a:t>
+              <a:t>2016/12/28</a:t>
             </a:fld>
             <a:endParaRPr lang="zh-TW" altLang="en-US"/>
           </a:p>
@@ -2901,7 +2901,7 @@
           <a:p>
             <a:fld id="{2F1234D3-356E-4AA1-875F-E36D1B269EC2}" type="datetimeFigureOut">
               <a:rPr lang="zh-TW" altLang="en-US" smtClean="0"/>
-              <a:t>2016/12/27</a:t>
+              <a:t>2016/12/28</a:t>
             </a:fld>
             <a:endParaRPr lang="zh-TW" altLang="en-US"/>
           </a:p>
@@ -3147,7 +3147,7 @@
           <a:p>
             <a:fld id="{2F1234D3-356E-4AA1-875F-E36D1B269EC2}" type="datetimeFigureOut">
               <a:rPr lang="zh-TW" altLang="en-US" smtClean="0"/>
-              <a:t>2016/12/27</a:t>
+              <a:t>2016/12/28</a:t>
             </a:fld>
             <a:endParaRPr lang="zh-TW" altLang="en-US"/>
           </a:p>
@@ -3395,7 +3395,7 @@
           <a:p>
             <a:fld id="{2F1234D3-356E-4AA1-875F-E36D1B269EC2}" type="datetimeFigureOut">
               <a:rPr lang="zh-TW" altLang="en-US" smtClean="0"/>
-              <a:t>2016/12/27</a:t>
+              <a:t>2016/12/28</a:t>
             </a:fld>
             <a:endParaRPr lang="zh-TW" altLang="en-US"/>
           </a:p>
@@ -3707,7 +3707,7 @@
           <a:p>
             <a:fld id="{2F1234D3-356E-4AA1-875F-E36D1B269EC2}" type="datetimeFigureOut">
               <a:rPr lang="zh-TW" altLang="en-US" smtClean="0"/>
-              <a:t>2016/12/27</a:t>
+              <a:t>2016/12/28</a:t>
             </a:fld>
             <a:endParaRPr lang="zh-TW" altLang="en-US"/>
           </a:p>
@@ -4089,7 +4089,7 @@
           <a:p>
             <a:fld id="{2F1234D3-356E-4AA1-875F-E36D1B269EC2}" type="datetimeFigureOut">
               <a:rPr lang="zh-TW" altLang="en-US" smtClean="0"/>
-              <a:t>2016/12/27</a:t>
+              <a:t>2016/12/28</a:t>
             </a:fld>
             <a:endParaRPr lang="zh-TW" altLang="en-US"/>
           </a:p>
@@ -4245,7 +4245,7 @@
           <a:p>
             <a:fld id="{2F1234D3-356E-4AA1-875F-E36D1B269EC2}" type="datetimeFigureOut">
               <a:rPr lang="zh-TW" altLang="en-US" smtClean="0"/>
-              <a:t>2016/12/27</a:t>
+              <a:t>2016/12/28</a:t>
             </a:fld>
             <a:endParaRPr lang="zh-TW" altLang="en-US"/>
           </a:p>
@@ -4378,7 +4378,7 @@
           <a:p>
             <a:fld id="{2F1234D3-356E-4AA1-875F-E36D1B269EC2}" type="datetimeFigureOut">
               <a:rPr lang="zh-TW" altLang="en-US" smtClean="0"/>
-              <a:t>2016/12/27</a:t>
+              <a:t>2016/12/28</a:t>
             </a:fld>
             <a:endParaRPr lang="zh-TW" altLang="en-US"/>
           </a:p>
@@ -4633,7 +4633,7 @@
           <a:p>
             <a:fld id="{2F1234D3-356E-4AA1-875F-E36D1B269EC2}" type="datetimeFigureOut">
               <a:rPr lang="zh-TW" altLang="en-US" smtClean="0"/>
-              <a:t>2016/12/27</a:t>
+              <a:t>2016/12/28</a:t>
             </a:fld>
             <a:endParaRPr lang="zh-TW" altLang="en-US"/>
           </a:p>
@@ -4955,7 +4955,7 @@
           <a:p>
             <a:fld id="{2F1234D3-356E-4AA1-875F-E36D1B269EC2}" type="datetimeFigureOut">
               <a:rPr lang="zh-TW" altLang="en-US" smtClean="0"/>
-              <a:t>2016/12/27</a:t>
+              <a:t>2016/12/28</a:t>
             </a:fld>
             <a:endParaRPr lang="zh-TW" altLang="en-US"/>
           </a:p>
@@ -5199,7 +5199,7 @@
           <a:p>
             <a:fld id="{2F1234D3-356E-4AA1-875F-E36D1B269EC2}" type="datetimeFigureOut">
               <a:rPr lang="zh-TW" altLang="en-US" smtClean="0"/>
-              <a:t>2016/12/27</a:t>
+              <a:t>2016/12/28</a:t>
             </a:fld>
             <a:endParaRPr lang="zh-TW" altLang="en-US"/>
           </a:p>
@@ -5848,11 +5848,7 @@
           <a:p>
             <a:r>
               <a:rPr lang="en-US" altLang="zh-TW" sz="3600" dirty="0" smtClean="0"/>
-              <a:t>Project : </a:t>
-            </a:r>
-            <a:r>
-              <a:rPr lang="en-US" altLang="zh-TW" sz="3600" dirty="0" smtClean="0"/>
-              <a:t>Game</a:t>
+              <a:t>Project : Game</a:t>
             </a:r>
             <a:endParaRPr lang="zh-TW" altLang="en-US" sz="3600" dirty="0"/>
           </a:p>
@@ -6153,12 +6149,22 @@
         </p:nvSpPr>
         <p:spPr/>
         <p:txBody>
-          <a:bodyPr/>
+          <a:bodyPr>
+            <a:normAutofit fontScale="92500" lnSpcReduction="10000"/>
+          </a:bodyPr>
           <a:lstStyle/>
           <a:p>
             <a:r>
               <a:rPr lang="zh-TW" altLang="en-US" dirty="0" smtClean="0"/>
-              <a:t>基本分：</a:t>
+              <a:t>基本</a:t>
+            </a:r>
+            <a:r>
+              <a:rPr lang="zh-TW" altLang="en-US" dirty="0" smtClean="0"/>
+              <a:t>分：</a:t>
+            </a:r>
+            <a:r>
+              <a:rPr lang="en-US" altLang="zh-TW" dirty="0" smtClean="0"/>
+              <a:t>(80)</a:t>
             </a:r>
             <a:endParaRPr lang="en-US" altLang="zh-TW" dirty="0" smtClean="0"/>
           </a:p>
@@ -6201,15 +6207,48 @@
             <a:pPr lvl="1"/>
             <a:r>
               <a:rPr lang="zh-TW" altLang="en-US" dirty="0" smtClean="0"/>
-              <a:t>方塊可左右移動</a:t>
+              <a:t>方塊可左右</a:t>
+            </a:r>
+            <a:r>
+              <a:rPr lang="zh-TW" altLang="en-US" dirty="0" smtClean="0"/>
+              <a:t>移動</a:t>
             </a:r>
             <a:endParaRPr lang="en-US" altLang="zh-TW" dirty="0" smtClean="0"/>
           </a:p>
           <a:p>
             <a:pPr lvl="1"/>
             <a:r>
+              <a:rPr lang="zh-TW" altLang="en-US" dirty="0"/>
+              <a:t>記分</a:t>
+            </a:r>
+            <a:endParaRPr lang="en-US" altLang="zh-TW" dirty="0"/>
+          </a:p>
+          <a:p>
+            <a:pPr lvl="1"/>
+            <a:endParaRPr lang="en-US" altLang="zh-TW" dirty="0" smtClean="0"/>
+          </a:p>
+        </p:txBody>
+      </p:sp>
+      <p:sp>
+        <p:nvSpPr>
+          <p:cNvPr id="4" name="內容版面配置區 3"/>
+          <p:cNvSpPr>
+            <a:spLocks noGrp="1"/>
+          </p:cNvSpPr>
+          <p:nvPr>
+            <p:ph sz="half" idx="2"/>
+          </p:nvPr>
+        </p:nvSpPr>
+        <p:spPr/>
+        <p:txBody>
+          <a:bodyPr>
+            <a:normAutofit fontScale="92500" lnSpcReduction="10000"/>
+          </a:bodyPr>
+          <a:lstStyle/>
+          <a:p>
+            <a:r>
               <a:rPr lang="zh-TW" altLang="en-US" dirty="0" smtClean="0"/>
-              <a:t>背景音樂</a:t>
+              <a:t>加分功能：</a:t>
             </a:r>
             <a:endParaRPr lang="en-US" altLang="zh-TW" dirty="0" smtClean="0"/>
           </a:p>
@@ -6217,34 +6256,27 @@
             <a:pPr lvl="1"/>
             <a:r>
               <a:rPr lang="zh-TW" altLang="en-US" dirty="0" smtClean="0"/>
-              <a:t>顯示下一組方塊</a:t>
+              <a:t>背景音樂 </a:t>
+            </a:r>
+            <a:r>
+              <a:rPr lang="en-US" altLang="zh-TW" dirty="0" smtClean="0"/>
+              <a:t>(+5)</a:t>
             </a:r>
             <a:endParaRPr lang="en-US" altLang="zh-TW" dirty="0"/>
           </a:p>
-        </p:txBody>
-      </p:sp>
-      <p:sp>
-        <p:nvSpPr>
-          <p:cNvPr id="4" name="內容版面配置區 3"/>
-          <p:cNvSpPr>
-            <a:spLocks noGrp="1"/>
-          </p:cNvSpPr>
-          <p:nvPr>
-            <p:ph sz="half" idx="2"/>
-          </p:nvPr>
-        </p:nvSpPr>
-        <p:spPr/>
-        <p:txBody>
-          <a:bodyPr/>
-          <a:lstStyle/>
-          <a:p>
+          <a:p>
+            <a:pPr lvl="1"/>
             <a:r>
               <a:rPr lang="zh-TW" altLang="en-US" dirty="0"/>
-              <a:t>功能</a:t>
+              <a:t>顯示下一組</a:t>
             </a:r>
             <a:r>
               <a:rPr lang="zh-TW" altLang="en-US" dirty="0" smtClean="0"/>
-              <a:t>：</a:t>
+              <a:t>方塊 </a:t>
+            </a:r>
+            <a:r>
+              <a:rPr lang="en-US" altLang="zh-TW" dirty="0" smtClean="0"/>
+              <a:t>(+5)</a:t>
             </a:r>
             <a:endParaRPr lang="en-US" altLang="zh-TW" dirty="0" smtClean="0"/>
           </a:p>
@@ -6260,7 +6292,15 @@
             </a:r>
             <a:r>
               <a:rPr lang="zh-TW" altLang="en-US" dirty="0" smtClean="0"/>
-              <a:t>度為單位旋轉方塊</a:t>
+              <a:t>度為單位旋轉</a:t>
+            </a:r>
+            <a:r>
+              <a:rPr lang="zh-TW" altLang="en-US" dirty="0" smtClean="0"/>
+              <a:t>方塊 </a:t>
+            </a:r>
+            <a:r>
+              <a:rPr lang="en-US" altLang="zh-TW" dirty="0" smtClean="0"/>
+              <a:t>(+10)</a:t>
             </a:r>
             <a:endParaRPr lang="en-US" altLang="zh-TW" dirty="0" smtClean="0"/>
           </a:p>
@@ -6268,7 +6308,15 @@
             <a:pPr lvl="1"/>
             <a:r>
               <a:rPr lang="zh-TW" altLang="en-US" dirty="0" smtClean="0"/>
-              <a:t>按下按鈕方塊會加速落下</a:t>
+              <a:t>按下按鈕方塊會加速</a:t>
+            </a:r>
+            <a:r>
+              <a:rPr lang="zh-TW" altLang="en-US" dirty="0" smtClean="0"/>
+              <a:t>落下 </a:t>
+            </a:r>
+            <a:r>
+              <a:rPr lang="en-US" altLang="zh-TW" dirty="0" smtClean="0"/>
+              <a:t>(+10)</a:t>
             </a:r>
             <a:endParaRPr lang="en-US" altLang="zh-TW" dirty="0" smtClean="0"/>
           </a:p>
@@ -6284,7 +6332,15 @@
             </a:r>
             <a:r>
               <a:rPr lang="zh-TW" altLang="en-US" dirty="0" smtClean="0"/>
-              <a:t>一條線時，消除整列方塊</a:t>
+              <a:t>一條線時，消除整列</a:t>
+            </a:r>
+            <a:r>
+              <a:rPr lang="zh-TW" altLang="en-US" dirty="0" smtClean="0"/>
+              <a:t>方塊 </a:t>
+            </a:r>
+            <a:r>
+              <a:rPr lang="en-US" altLang="zh-TW" dirty="0" smtClean="0"/>
+              <a:t>(+10)</a:t>
             </a:r>
             <a:endParaRPr lang="en-US" altLang="zh-TW" dirty="0" smtClean="0"/>
           </a:p>
@@ -6292,7 +6348,15 @@
             <a:pPr lvl="1"/>
             <a:r>
               <a:rPr lang="zh-TW" altLang="en-US" dirty="0" smtClean="0"/>
-              <a:t>整列方塊消除時，產生音效</a:t>
+              <a:t>整列方塊消除時，產生</a:t>
+            </a:r>
+            <a:r>
+              <a:rPr lang="zh-TW" altLang="en-US" dirty="0" smtClean="0"/>
+              <a:t>音效 </a:t>
+            </a:r>
+            <a:r>
+              <a:rPr lang="en-US" altLang="zh-TW" dirty="0" smtClean="0"/>
+              <a:t>(+10)</a:t>
             </a:r>
             <a:endParaRPr lang="en-US" altLang="zh-TW" dirty="0" smtClean="0"/>
           </a:p>
@@ -6300,15 +6364,19 @@
             <a:pPr lvl="1"/>
             <a:r>
               <a:rPr lang="zh-TW" altLang="en-US" dirty="0" smtClean="0"/>
-              <a:t>記分</a:t>
-            </a:r>
-            <a:endParaRPr lang="en-US" altLang="zh-TW" dirty="0" smtClean="0"/>
-          </a:p>
-          <a:p>
-            <a:pPr lvl="1"/>
+              <a:t>備用</a:t>
+            </a:r>
             <a:r>
               <a:rPr lang="zh-TW" altLang="en-US" dirty="0" smtClean="0"/>
-              <a:t>備用方塊，可交換</a:t>
+              <a:t>方塊，可</a:t>
+            </a:r>
+            <a:r>
+              <a:rPr lang="zh-TW" altLang="en-US" dirty="0" smtClean="0"/>
+              <a:t>交換 </a:t>
+            </a:r>
+            <a:r>
+              <a:rPr lang="en-US" altLang="zh-TW" dirty="0" smtClean="0"/>
+              <a:t>(+10)</a:t>
             </a:r>
             <a:endParaRPr lang="en-US" altLang="zh-TW" dirty="0" smtClean="0"/>
           </a:p>
@@ -6437,12 +6505,22 @@
         </p:nvSpPr>
         <p:spPr/>
         <p:txBody>
-          <a:bodyPr/>
+          <a:bodyPr>
+            <a:normAutofit/>
+          </a:bodyPr>
           <a:lstStyle/>
           <a:p>
             <a:r>
               <a:rPr lang="zh-TW" altLang="en-US" dirty="0"/>
-              <a:t>基本分：</a:t>
+              <a:t>基本分</a:t>
+            </a:r>
+            <a:r>
+              <a:rPr lang="zh-TW" altLang="en-US" dirty="0" smtClean="0"/>
+              <a:t>： </a:t>
+            </a:r>
+            <a:r>
+              <a:rPr lang="en-US" altLang="zh-TW" dirty="0" smtClean="0"/>
+              <a:t>(60)</a:t>
             </a:r>
             <a:endParaRPr lang="en-US" altLang="zh-TW" dirty="0"/>
           </a:p>
@@ -6470,24 +6548,23 @@
             <a:pPr lvl="1"/>
             <a:r>
               <a:rPr lang="zh-TW" altLang="en-US" dirty="0" smtClean="0"/>
-              <a:t>隨機產生食物</a:t>
+              <a:t>隨機產生</a:t>
+            </a:r>
+            <a:r>
+              <a:rPr lang="zh-TW" altLang="en-US" dirty="0" smtClean="0"/>
+              <a:t>食物</a:t>
             </a:r>
             <a:endParaRPr lang="en-US" altLang="zh-TW" dirty="0" smtClean="0"/>
           </a:p>
           <a:p>
             <a:pPr lvl="1"/>
             <a:r>
-              <a:rPr lang="zh-TW" altLang="en-US" dirty="0" smtClean="0"/>
-              <a:t>吃到食物時，蛇會增長</a:t>
-            </a:r>
-            <a:endParaRPr lang="en-US" altLang="zh-TW" dirty="0" smtClean="0"/>
+              <a:rPr lang="zh-TW" altLang="en-US" dirty="0"/>
+              <a:t>記分</a:t>
+            </a:r>
           </a:p>
           <a:p>
             <a:pPr lvl="1"/>
-            <a:r>
-              <a:rPr lang="zh-TW" altLang="en-US" dirty="0" smtClean="0"/>
-              <a:t>背景音樂</a:t>
-            </a:r>
             <a:endParaRPr lang="en-US" altLang="zh-TW" dirty="0" smtClean="0"/>
           </a:p>
           <a:p>
@@ -6508,12 +6585,30 @@
         </p:nvSpPr>
         <p:spPr/>
         <p:txBody>
-          <a:bodyPr/>
-          <a:lstStyle/>
-          <a:p>
+          <a:bodyPr>
+            <a:normAutofit/>
+          </a:bodyPr>
+          <a:lstStyle/>
+          <a:p>
+            <a:r>
+              <a:rPr lang="zh-TW" altLang="en-US" dirty="0" smtClean="0"/>
+              <a:t>加分功能：</a:t>
+            </a:r>
+            <a:endParaRPr lang="en-US" altLang="zh-TW" dirty="0" smtClean="0"/>
+          </a:p>
+          <a:p>
+            <a:pPr lvl="1"/>
             <a:r>
               <a:rPr lang="zh-TW" altLang="en-US" dirty="0"/>
-              <a:t>功能：</a:t>
+              <a:t>吃到食物時，蛇會</a:t>
+            </a:r>
+            <a:r>
+              <a:rPr lang="zh-TW" altLang="en-US" dirty="0" smtClean="0"/>
+              <a:t>增長 </a:t>
+            </a:r>
+            <a:r>
+              <a:rPr lang="en-US" altLang="zh-TW" dirty="0" smtClean="0"/>
+              <a:t>(+10)</a:t>
             </a:r>
             <a:endParaRPr lang="en-US" altLang="zh-TW" dirty="0"/>
           </a:p>
@@ -6521,7 +6616,27 @@
             <a:pPr lvl="1"/>
             <a:r>
               <a:rPr lang="zh-TW" altLang="en-US" dirty="0" smtClean="0"/>
-              <a:t>吃到食物時，產生音效</a:t>
+              <a:t>背景音樂 </a:t>
+            </a:r>
+            <a:r>
+              <a:rPr lang="en-US" altLang="zh-TW" dirty="0" smtClean="0"/>
+              <a:t>(+5)</a:t>
+            </a:r>
+            <a:endParaRPr lang="en-US" altLang="zh-TW" dirty="0"/>
+          </a:p>
+          <a:p>
+            <a:pPr lvl="1"/>
+            <a:r>
+              <a:rPr lang="zh-TW" altLang="en-US" dirty="0" smtClean="0"/>
+              <a:t>吃到食物時，產生</a:t>
+            </a:r>
+            <a:r>
+              <a:rPr lang="zh-TW" altLang="en-US" dirty="0" smtClean="0"/>
+              <a:t>音效 </a:t>
+            </a:r>
+            <a:r>
+              <a:rPr lang="en-US" altLang="zh-TW" dirty="0" smtClean="0"/>
+              <a:t>(+10)</a:t>
             </a:r>
             <a:endParaRPr lang="en-US" altLang="zh-TW" dirty="0" smtClean="0"/>
           </a:p>
@@ -6529,7 +6644,15 @@
             <a:pPr lvl="1"/>
             <a:r>
               <a:rPr lang="zh-TW" altLang="en-US" dirty="0" smtClean="0"/>
-              <a:t>隨機產生障礙物</a:t>
+              <a:t>隨機產生</a:t>
+            </a:r>
+            <a:r>
+              <a:rPr lang="zh-TW" altLang="en-US" dirty="0" smtClean="0"/>
+              <a:t>障礙物 </a:t>
+            </a:r>
+            <a:r>
+              <a:rPr lang="en-US" altLang="zh-TW" dirty="0" smtClean="0"/>
+              <a:t>(+5)</a:t>
             </a:r>
             <a:endParaRPr lang="en-US" altLang="zh-TW" dirty="0" smtClean="0"/>
           </a:p>
@@ -6537,7 +6660,15 @@
             <a:pPr lvl="1"/>
             <a:r>
               <a:rPr lang="zh-TW" altLang="en-US" dirty="0" smtClean="0"/>
-              <a:t>移動速度加快</a:t>
+              <a:t>移動速度</a:t>
+            </a:r>
+            <a:r>
+              <a:rPr lang="zh-TW" altLang="en-US" dirty="0" smtClean="0"/>
+              <a:t>加快 </a:t>
+            </a:r>
+            <a:r>
+              <a:rPr lang="en-US" altLang="zh-TW" dirty="0" smtClean="0"/>
+              <a:t>(+10)</a:t>
             </a:r>
             <a:endParaRPr lang="en-US" altLang="zh-TW" dirty="0" smtClean="0"/>
           </a:p>
@@ -6545,20 +6676,17 @@
             <a:pPr lvl="1"/>
             <a:r>
               <a:rPr lang="zh-TW" altLang="en-US" dirty="0" smtClean="0"/>
-              <a:t>可穿透四面的牆</a:t>
+              <a:t>可穿透四面的</a:t>
+            </a:r>
+            <a:r>
+              <a:rPr lang="zh-TW" altLang="en-US" dirty="0" smtClean="0"/>
+              <a:t>牆 </a:t>
+            </a:r>
+            <a:r>
+              <a:rPr lang="en-US" altLang="zh-TW" dirty="0" smtClean="0"/>
+              <a:t>(+10)</a:t>
             </a:r>
             <a:endParaRPr lang="en-US" altLang="zh-TW" dirty="0" smtClean="0"/>
-          </a:p>
-          <a:p>
-            <a:pPr lvl="1"/>
-            <a:r>
-              <a:rPr lang="zh-TW" altLang="en-US" dirty="0" smtClean="0"/>
-              <a:t>記</a:t>
-            </a:r>
-            <a:r>
-              <a:rPr lang="zh-TW" altLang="en-US" dirty="0"/>
-              <a:t>分</a:t>
-            </a:r>
           </a:p>
         </p:txBody>
       </p:sp>
@@ -6644,7 +6772,15 @@
           <a:p>
             <a:r>
               <a:rPr lang="zh-TW" altLang="en-US" dirty="0"/>
-              <a:t>基本分：</a:t>
+              <a:t>基本</a:t>
+            </a:r>
+            <a:r>
+              <a:rPr lang="zh-TW" altLang="en-US" dirty="0" smtClean="0"/>
+              <a:t>分：</a:t>
+            </a:r>
+            <a:r>
+              <a:rPr lang="en-US" altLang="zh-TW" dirty="0" smtClean="0"/>
+              <a:t>(70)</a:t>
             </a:r>
             <a:endParaRPr lang="en-US" altLang="zh-TW" dirty="0"/>
           </a:p>
@@ -6695,16 +6831,12 @@
             <a:pPr lvl="1"/>
             <a:r>
               <a:rPr lang="zh-TW" altLang="en-US" dirty="0" smtClean="0"/>
-              <a:t>小精靈經過會吃掉豆子</a:t>
-            </a:r>
-            <a:endParaRPr lang="en-US" altLang="zh-TW" dirty="0" smtClean="0"/>
+              <a:t>記分</a:t>
+            </a:r>
+            <a:endParaRPr lang="en-US" altLang="zh-TW" dirty="0"/>
           </a:p>
           <a:p>
             <a:pPr lvl="1"/>
-            <a:r>
-              <a:rPr lang="zh-TW" altLang="en-US" dirty="0" smtClean="0"/>
-              <a:t>背景音樂</a:t>
-            </a:r>
             <a:endParaRPr lang="en-US" altLang="zh-TW" dirty="0" smtClean="0"/>
           </a:p>
         </p:txBody>
@@ -6728,7 +6860,27 @@
           <a:p>
             <a:r>
               <a:rPr lang="zh-TW" altLang="en-US" dirty="0"/>
-              <a:t>功能：</a:t>
+              <a:t>功能</a:t>
+            </a:r>
+            <a:r>
+              <a:rPr lang="zh-TW" altLang="en-US" dirty="0" smtClean="0"/>
+              <a:t>：</a:t>
+            </a:r>
+            <a:endParaRPr lang="en-US" altLang="zh-TW" dirty="0" smtClean="0"/>
+          </a:p>
+          <a:p>
+            <a:pPr lvl="1"/>
+            <a:r>
+              <a:rPr lang="zh-TW" altLang="en-US" dirty="0"/>
+              <a:t>小精靈經過會吃掉</a:t>
+            </a:r>
+            <a:r>
+              <a:rPr lang="zh-TW" altLang="en-US" dirty="0" smtClean="0"/>
+              <a:t>豆子 </a:t>
+            </a:r>
+            <a:r>
+              <a:rPr lang="en-US" altLang="zh-TW" dirty="0" smtClean="0"/>
+              <a:t>(+10)</a:t>
             </a:r>
             <a:endParaRPr lang="en-US" altLang="zh-TW" dirty="0"/>
           </a:p>
@@ -6736,7 +6888,27 @@
             <a:pPr lvl="1"/>
             <a:r>
               <a:rPr lang="zh-TW" altLang="en-US" dirty="0" smtClean="0"/>
-              <a:t>吃到豆子時，產生音效</a:t>
+              <a:t>背景音樂 </a:t>
+            </a:r>
+            <a:r>
+              <a:rPr lang="en-US" altLang="zh-TW" dirty="0" smtClean="0"/>
+              <a:t>(+5)</a:t>
+            </a:r>
+            <a:endParaRPr lang="en-US" altLang="zh-TW" dirty="0"/>
+          </a:p>
+          <a:p>
+            <a:pPr lvl="1"/>
+            <a:r>
+              <a:rPr lang="zh-TW" altLang="en-US" dirty="0" smtClean="0"/>
+              <a:t>吃到豆子時，產生</a:t>
+            </a:r>
+            <a:r>
+              <a:rPr lang="zh-TW" altLang="en-US" dirty="0" smtClean="0"/>
+              <a:t>音效 </a:t>
+            </a:r>
+            <a:r>
+              <a:rPr lang="en-US" altLang="zh-TW" dirty="0" smtClean="0"/>
+              <a:t>(+10)</a:t>
             </a:r>
             <a:endParaRPr lang="en-US" altLang="zh-TW" dirty="0" smtClean="0"/>
           </a:p>
@@ -6748,7 +6920,34 @@
             </a:r>
             <a:r>
               <a:rPr lang="zh-TW" altLang="en-US" dirty="0"/>
-              <a:t>四隻怪物</a:t>
+              <a:t>一</a:t>
+            </a:r>
+            <a:r>
+              <a:rPr lang="zh-TW" altLang="en-US" dirty="0" smtClean="0"/>
+              <a:t>隻怪物，在迷宮內隨機移動 </a:t>
+            </a:r>
+            <a:r>
+              <a:rPr lang="en-US" altLang="zh-TW" dirty="0" smtClean="0"/>
+              <a:t>(+15)</a:t>
+            </a:r>
+          </a:p>
+          <a:p>
+            <a:pPr lvl="1"/>
+            <a:r>
+              <a:rPr lang="zh-TW" altLang="en-US" dirty="0" smtClean="0"/>
+              <a:t>迷宮</a:t>
+            </a:r>
+            <a:r>
+              <a:rPr lang="zh-TW" altLang="en-US" dirty="0"/>
+              <a:t>四個</a:t>
+            </a:r>
+            <a:r>
+              <a:rPr lang="zh-TW" altLang="en-US" dirty="0" smtClean="0"/>
+              <a:t>角落產生</a:t>
+            </a:r>
+            <a:r>
+              <a:rPr lang="zh-TW" altLang="en-US" dirty="0"/>
+              <a:t>寶物</a:t>
             </a:r>
             <a:r>
               <a:rPr lang="en-US" altLang="zh-TW" dirty="0"/>
@@ -6760,31 +6959,9 @@
             </a:r>
             <a:r>
               <a:rPr lang="en-US" altLang="zh-TW" dirty="0" smtClean="0"/>
-              <a:t>)</a:t>
-            </a:r>
-          </a:p>
-          <a:p>
-            <a:pPr lvl="1"/>
-            <a:r>
-              <a:rPr lang="zh-TW" altLang="en-US" dirty="0" smtClean="0"/>
-              <a:t>迷宮</a:t>
-            </a:r>
-            <a:r>
-              <a:rPr lang="zh-TW" altLang="en-US" dirty="0"/>
-              <a:t>四個角落產生寶物</a:t>
-            </a:r>
-            <a:r>
-              <a:rPr lang="en-US" altLang="zh-TW" dirty="0"/>
-              <a:t>(</a:t>
-            </a:r>
-            <a:r>
-              <a:rPr lang="zh-TW" altLang="en-US" dirty="0"/>
-              <a:t>閃爍</a:t>
-            </a:r>
-            <a:r>
-              <a:rPr lang="en-US" altLang="zh-TW" dirty="0"/>
-              <a:t>)</a:t>
-            </a:r>
+              <a:t>) (+10)</a:t>
+            </a:r>
+            <a:endParaRPr lang="en-US" altLang="zh-TW" dirty="0"/>
           </a:p>
           <a:p>
             <a:pPr lvl="1"/>
@@ -6798,7 +6975,11 @@
             </a:r>
             <a:r>
               <a:rPr lang="zh-TW" altLang="en-US" dirty="0" smtClean="0"/>
-              <a:t>秒</a:t>
+              <a:t>秒 </a:t>
+            </a:r>
+            <a:r>
+              <a:rPr lang="en-US" altLang="zh-TW" dirty="0" smtClean="0"/>
+              <a:t>(+10)</a:t>
             </a:r>
             <a:endParaRPr lang="en-US" altLang="zh-TW" dirty="0" smtClean="0"/>
           </a:p>
@@ -6806,40 +6987,29 @@
             <a:pPr lvl="1"/>
             <a:r>
               <a:rPr lang="zh-TW" altLang="en-US" dirty="0" smtClean="0"/>
-              <a:t>無敵狀態時，改變背景音樂</a:t>
+              <a:t>無敵狀態時，改變</a:t>
+            </a:r>
+            <a:r>
+              <a:rPr lang="zh-TW" altLang="en-US" dirty="0" smtClean="0"/>
+              <a:t>背景音樂 </a:t>
+            </a:r>
+            <a:r>
+              <a:rPr lang="en-US" altLang="zh-TW" dirty="0" smtClean="0"/>
+              <a:t>(+5)</a:t>
             </a:r>
             <a:endParaRPr lang="en-US" altLang="zh-TW" dirty="0" smtClean="0"/>
           </a:p>
           <a:p>
             <a:pPr lvl="1"/>
             <a:r>
-              <a:rPr lang="zh-TW" altLang="en-US" dirty="0"/>
-              <a:t>無敵狀態</a:t>
-            </a:r>
-            <a:r>
               <a:rPr lang="zh-TW" altLang="en-US" dirty="0" smtClean="0"/>
-              <a:t>時，怪物往反方向移動</a:t>
-            </a:r>
-            <a:endParaRPr lang="en-US" altLang="zh-TW" dirty="0" smtClean="0"/>
-          </a:p>
-          <a:p>
-            <a:pPr lvl="1"/>
-            <a:r>
-              <a:rPr lang="zh-TW" altLang="en-US" dirty="0" smtClean="0"/>
-              <a:t>記分</a:t>
-            </a:r>
-            <a:endParaRPr lang="en-US" altLang="zh-TW" dirty="0" smtClean="0"/>
-          </a:p>
-          <a:p>
-            <a:pPr lvl="1"/>
-            <a:r>
-              <a:rPr lang="zh-TW" altLang="en-US" dirty="0" smtClean="0"/>
-              <a:t>更換場</a:t>
-            </a:r>
-            <a:r>
-              <a:rPr lang="zh-TW" altLang="en-US" dirty="0"/>
-              <a:t>景</a:t>
-            </a:r>
+              <a:t>更換場景 </a:t>
+            </a:r>
+            <a:r>
+              <a:rPr lang="en-US" altLang="zh-TW" dirty="0" smtClean="0"/>
+              <a:t>(+10)</a:t>
+            </a:r>
+            <a:endParaRPr lang="zh-TW" altLang="en-US" dirty="0"/>
           </a:p>
         </p:txBody>
       </p:sp>
